--- a/F1 Racing.pptx
+++ b/F1 Racing.pptx
@@ -4013,7 +4013,7 @@
         </p:spPr>
         <p:txBody>
           <a:bodyPr>
-            <a:normAutofit/>
+            <a:normAutofit fontScale="77500" lnSpcReduction="20000"/>
           </a:bodyPr>
           <a:lstStyle/>
           <a:p>
@@ -4024,8 +4024,40 @@
                   <a:schemeClr val="bg1"/>
                 </a:solidFill>
               </a:rPr>
-              <a:t>A high level look at the history of F1 from 1950 to 2020</a:t>
-            </a:r>
+              <a:t>A high level look at the history of F1 from 1950 to 2024</a:t>
+            </a:r>
+          </a:p>
+          <a:p>
+            <a:pPr algn="l"/>
+            <a:endParaRPr lang="en-US" sz="2000" dirty="0">
+              <a:solidFill>
+                <a:schemeClr val="bg1"/>
+              </a:solidFill>
+            </a:endParaRPr>
+          </a:p>
+          <a:p>
+            <a:pPr algn="l"/>
+            <a:r>
+              <a:rPr lang="en-US" sz="2000" dirty="0">
+                <a:solidFill>
+                  <a:schemeClr val="bg1"/>
+                </a:solidFill>
+              </a:rPr>
+              <a:t>By: Marta Baker, Kevin Carney, Katie </a:t>
+            </a:r>
+            <a:r>
+              <a:rPr lang="en-US" sz="2000" dirty="0" err="1">
+                <a:solidFill>
+                  <a:schemeClr val="bg1"/>
+                </a:solidFill>
+              </a:rPr>
+              <a:t>Rebeck</a:t>
+            </a:r>
+            <a:endParaRPr lang="en-US" sz="2000" dirty="0">
+              <a:solidFill>
+                <a:schemeClr val="bg1"/>
+              </a:solidFill>
+            </a:endParaRPr>
           </a:p>
         </p:txBody>
       </p:sp>
@@ -4228,6 +4260,40 @@
           <a:chExt cx="0" cy="0"/>
         </a:xfrm>
       </p:grpSpPr>
+      <p:pic>
+        <p:nvPicPr>
+          <p:cNvPr id="6" name="Content Placeholder 5">
+            <a:extLst>
+              <a:ext uri="{FF2B5EF4-FFF2-40B4-BE49-F238E27FC236}">
+                <a16:creationId xmlns:a16="http://schemas.microsoft.com/office/drawing/2014/main" id="{4A37D9FC-3294-B999-9DC0-CC5216510FAA}"/>
+              </a:ext>
+            </a:extLst>
+          </p:cNvPr>
+          <p:cNvPicPr>
+            <a:picLocks noGrp="1" noChangeAspect="1"/>
+          </p:cNvPicPr>
+          <p:nvPr>
+            <p:ph idx="1"/>
+          </p:nvPr>
+        </p:nvPicPr>
+        <p:blipFill rotWithShape="1">
+          <a:blip r:embed="rId2">
+            <a:extLst>
+              <a:ext uri="{28A0092B-C50C-407E-A947-70E740481C1C}">
+                <a14:useLocalDpi xmlns:a14="http://schemas.microsoft.com/office/drawing/2010/main" val="0"/>
+              </a:ext>
+            </a:extLst>
+          </a:blip>
+          <a:srcRect t="20612" b="4388"/>
+          <a:stretch/>
+        </p:blipFill>
+        <p:spPr>
+          <a:xfrm>
+            <a:off x="0" y="1"/>
+            <a:ext cx="12192000" cy="6858000"/>
+          </a:xfrm>
+        </p:spPr>
+      </p:pic>
       <p:sp>
         <p:nvSpPr>
           <p:cNvPr id="2" name="Title 1">
@@ -4250,7 +4316,11 @@
           <a:lstStyle/>
           <a:p>
             <a:r>
-              <a:rPr lang="en-US" dirty="0"/>
+              <a:rPr lang="en-US" dirty="0">
+                <a:solidFill>
+                  <a:schemeClr val="bg1"/>
+                </a:solidFill>
+              </a:rPr>
               <a:t>Questions?</a:t>
             </a:r>
           </a:p>
@@ -4258,23 +4328,43 @@
       </p:sp>
       <p:sp>
         <p:nvSpPr>
-          <p:cNvPr id="3" name="Content Placeholder 2">
-            <a:extLst>
-              <a:ext uri="{FF2B5EF4-FFF2-40B4-BE49-F238E27FC236}">
-                <a16:creationId xmlns:a16="http://schemas.microsoft.com/office/drawing/2014/main" id="{0E3A88AF-FCD8-D5D4-137B-C9076EF3592A}"/>
-              </a:ext>
-            </a:extLst>
-          </p:cNvPr>
-          <p:cNvSpPr>
-            <a:spLocks noGrp="1"/>
-          </p:cNvSpPr>
-          <p:nvPr>
-            <p:ph idx="1"/>
-          </p:nvPr>
-        </p:nvSpPr>
-        <p:spPr/>
-        <p:txBody>
-          <a:bodyPr/>
+          <p:cNvPr id="4" name="AutoShape 2">
+            <a:extLst>
+              <a:ext uri="{FF2B5EF4-FFF2-40B4-BE49-F238E27FC236}">
+                <a16:creationId xmlns:a16="http://schemas.microsoft.com/office/drawing/2014/main" id="{57FAE05A-64FA-3844-FD18-DEA8F4D3B3C8}"/>
+              </a:ext>
+            </a:extLst>
+          </p:cNvPr>
+          <p:cNvSpPr>
+            <a:spLocks noChangeAspect="1" noChangeArrowheads="1"/>
+          </p:cNvSpPr>
+          <p:nvPr/>
+        </p:nvSpPr>
+        <p:spPr bwMode="auto">
+          <a:xfrm>
+            <a:off x="2644346" y="-22654"/>
+            <a:ext cx="3604054" cy="3604054"/>
+          </a:xfrm>
+          <a:prstGeom prst="rect">
+            <a:avLst/>
+          </a:prstGeom>
+          <a:noFill/>
+          <a:extLst>
+            <a:ext uri="{909E8E84-426E-40DD-AFC4-6F175D3DCCD1}">
+              <a14:hiddenFill xmlns:a14="http://schemas.microsoft.com/office/drawing/2010/main">
+                <a:solidFill>
+                  <a:srgbClr val="FFFFFF"/>
+                </a:solidFill>
+              </a14:hiddenFill>
+            </a:ext>
+          </a:extLst>
+        </p:spPr>
+        <p:txBody>
+          <a:bodyPr vert="horz" wrap="square" lIns="91440" tIns="45720" rIns="91440" bIns="45720" numCol="1" anchor="t" anchorCtr="0" compatLnSpc="1">
+            <a:prstTxWarp prst="textNoShape">
+              <a:avLst/>
+            </a:prstTxWarp>
+          </a:bodyPr>
           <a:lstStyle/>
           <a:p>
             <a:endParaRPr lang="en-US"/>
@@ -5014,6 +5104,36 @@
           </a:p>
         </p:txBody>
       </p:sp>
+      <p:pic>
+        <p:nvPicPr>
+          <p:cNvPr id="7" name="Picture 6">
+            <a:extLst>
+              <a:ext uri="{FF2B5EF4-FFF2-40B4-BE49-F238E27FC236}">
+                <a16:creationId xmlns:a16="http://schemas.microsoft.com/office/drawing/2014/main" id="{94EEB970-CD00-B185-5C99-C45272011404}"/>
+              </a:ext>
+            </a:extLst>
+          </p:cNvPr>
+          <p:cNvPicPr>
+            <a:picLocks noChangeAspect="1"/>
+          </p:cNvPicPr>
+          <p:nvPr/>
+        </p:nvPicPr>
+        <p:blipFill>
+          <a:blip r:embed="rId8"/>
+          <a:stretch>
+            <a:fillRect/>
+          </a:stretch>
+        </p:blipFill>
+        <p:spPr>
+          <a:xfrm>
+            <a:off x="8694057" y="-19365"/>
+            <a:ext cx="3606510" cy="3420106"/>
+          </a:xfrm>
+          <a:prstGeom prst="rect">
+            <a:avLst/>
+          </a:prstGeom>
+        </p:spPr>
+      </p:pic>
     </p:spTree>
     <p:extLst>
       <p:ext uri="{BB962C8B-B14F-4D97-AF65-F5344CB8AC3E}">
@@ -5384,7 +5504,24 @@
                   <a:schemeClr val="bg2"/>
                 </a:solidFill>
               </a:rPr>
-              <a:t>Now we’ll be doing a live demo by Marta Baker.</a:t>
+              <a:t>Now we’ll be doing a </a:t>
+            </a:r>
+            <a:r>
+              <a:rPr lang="en-US" dirty="0">
+                <a:solidFill>
+                  <a:schemeClr val="bg2"/>
+                </a:solidFill>
+                <a:hlinkClick r:id="rId2"/>
+              </a:rPr>
+              <a:t>live demo</a:t>
+            </a:r>
+            <a:r>
+              <a:rPr lang="en-US" dirty="0">
+                <a:solidFill>
+                  <a:schemeClr val="bg2"/>
+                </a:solidFill>
+              </a:rPr>
+              <a:t> by Marta Baker.</a:t>
             </a:r>
           </a:p>
           <a:p>
